--- a/Titanic/reference/lesson_1.pptx
+++ b/Titanic/reference/lesson_1.pptx
@@ -8,7 +8,9 @@
     <p:sldId id="256" r:id="rId2"/>
     <p:sldId id="257" r:id="rId3"/>
     <p:sldId id="258" r:id="rId4"/>
-    <p:sldId id="259" r:id="rId5"/>
+    <p:sldId id="261" r:id="rId5"/>
+    <p:sldId id="260" r:id="rId6"/>
+    <p:sldId id="259" r:id="rId7"/>
   </p:sldIdLst>
   <p:sldSz cx="9144000" cy="6858000" type="screen4x3"/>
   <p:notesSz cx="6858000" cy="9144000"/>
@@ -291,7 +293,7 @@
           <a:p>
             <a:fld id="{243A9303-79D4-D54A-8F8E-01F909619F34}" type="datetimeFigureOut">
               <a:rPr lang="en-US" smtClean="0"/>
-              <a:t>9/23/15</a:t>
+              <a:t>9/24/2015</a:t>
             </a:fld>
             <a:endParaRPr lang="en-US"/>
           </a:p>
@@ -461,7 +463,7 @@
           <a:p>
             <a:fld id="{243A9303-79D4-D54A-8F8E-01F909619F34}" type="datetimeFigureOut">
               <a:rPr lang="en-US" smtClean="0"/>
-              <a:t>9/23/15</a:t>
+              <a:t>9/24/2015</a:t>
             </a:fld>
             <a:endParaRPr lang="en-US"/>
           </a:p>
@@ -641,7 +643,7 @@
           <a:p>
             <a:fld id="{243A9303-79D4-D54A-8F8E-01F909619F34}" type="datetimeFigureOut">
               <a:rPr lang="en-US" smtClean="0"/>
-              <a:t>9/23/15</a:t>
+              <a:t>9/24/2015</a:t>
             </a:fld>
             <a:endParaRPr lang="en-US"/>
           </a:p>
@@ -811,7 +813,7 @@
           <a:p>
             <a:fld id="{243A9303-79D4-D54A-8F8E-01F909619F34}" type="datetimeFigureOut">
               <a:rPr lang="en-US" smtClean="0"/>
-              <a:t>9/23/15</a:t>
+              <a:t>9/24/2015</a:t>
             </a:fld>
             <a:endParaRPr lang="en-US"/>
           </a:p>
@@ -1057,7 +1059,7 @@
           <a:p>
             <a:fld id="{243A9303-79D4-D54A-8F8E-01F909619F34}" type="datetimeFigureOut">
               <a:rPr lang="en-US" smtClean="0"/>
-              <a:t>9/23/15</a:t>
+              <a:t>9/24/2015</a:t>
             </a:fld>
             <a:endParaRPr lang="en-US"/>
           </a:p>
@@ -1345,7 +1347,7 @@
           <a:p>
             <a:fld id="{243A9303-79D4-D54A-8F8E-01F909619F34}" type="datetimeFigureOut">
               <a:rPr lang="en-US" smtClean="0"/>
-              <a:t>9/23/15</a:t>
+              <a:t>9/24/2015</a:t>
             </a:fld>
             <a:endParaRPr lang="en-US"/>
           </a:p>
@@ -1767,7 +1769,7 @@
           <a:p>
             <a:fld id="{243A9303-79D4-D54A-8F8E-01F909619F34}" type="datetimeFigureOut">
               <a:rPr lang="en-US" smtClean="0"/>
-              <a:t>9/23/15</a:t>
+              <a:t>9/24/2015</a:t>
             </a:fld>
             <a:endParaRPr lang="en-US"/>
           </a:p>
@@ -1885,7 +1887,7 @@
           <a:p>
             <a:fld id="{243A9303-79D4-D54A-8F8E-01F909619F34}" type="datetimeFigureOut">
               <a:rPr lang="en-US" smtClean="0"/>
-              <a:t>9/23/15</a:t>
+              <a:t>9/24/2015</a:t>
             </a:fld>
             <a:endParaRPr lang="en-US"/>
           </a:p>
@@ -1980,7 +1982,7 @@
           <a:p>
             <a:fld id="{243A9303-79D4-D54A-8F8E-01F909619F34}" type="datetimeFigureOut">
               <a:rPr lang="en-US" smtClean="0"/>
-              <a:t>9/23/15</a:t>
+              <a:t>9/24/2015</a:t>
             </a:fld>
             <a:endParaRPr lang="en-US"/>
           </a:p>
@@ -2257,7 +2259,7 @@
           <a:p>
             <a:fld id="{243A9303-79D4-D54A-8F8E-01F909619F34}" type="datetimeFigureOut">
               <a:rPr lang="en-US" smtClean="0"/>
-              <a:t>9/23/15</a:t>
+              <a:t>9/24/2015</a:t>
             </a:fld>
             <a:endParaRPr lang="en-US"/>
           </a:p>
@@ -2510,7 +2512,7 @@
           <a:p>
             <a:fld id="{243A9303-79D4-D54A-8F8E-01F909619F34}" type="datetimeFigureOut">
               <a:rPr lang="en-US" smtClean="0"/>
-              <a:t>9/23/15</a:t>
+              <a:t>9/24/2015</a:t>
             </a:fld>
             <a:endParaRPr lang="en-US"/>
           </a:p>
@@ -2723,7 +2725,7 @@
           <a:p>
             <a:fld id="{243A9303-79D4-D54A-8F8E-01F909619F34}" type="datetimeFigureOut">
               <a:rPr lang="en-US" smtClean="0"/>
-              <a:t>9/23/15</a:t>
+              <a:t>9/24/2015</a:t>
             </a:fld>
             <a:endParaRPr lang="en-US"/>
           </a:p>
@@ -3360,6 +3362,286 @@
 </file>
 
 <file path=ppt/slides/slide4.xml><?xml version="1.0" encoding="utf-8"?>
+<p:sld xmlns:a="http://schemas.openxmlformats.org/drawingml/2006/main" xmlns:r="http://schemas.openxmlformats.org/officeDocument/2006/relationships" xmlns:p="http://schemas.openxmlformats.org/presentationml/2006/main">
+  <p:cSld>
+    <p:spTree>
+      <p:nvGrpSpPr>
+        <p:cNvPr id="1" name=""/>
+        <p:cNvGrpSpPr/>
+        <p:nvPr/>
+      </p:nvGrpSpPr>
+      <p:grpSpPr>
+        <a:xfrm>
+          <a:off x="0" y="0"/>
+          <a:ext cx="0" cy="0"/>
+          <a:chOff x="0" y="0"/>
+          <a:chExt cx="0" cy="0"/>
+        </a:xfrm>
+      </p:grpSpPr>
+      <p:sp>
+        <p:nvSpPr>
+          <p:cNvPr id="2" name="Title 1"/>
+          <p:cNvSpPr>
+            <a:spLocks noGrp="1"/>
+          </p:cNvSpPr>
+          <p:nvPr>
+            <p:ph type="title"/>
+          </p:nvPr>
+        </p:nvSpPr>
+        <p:spPr/>
+        <p:txBody>
+          <a:bodyPr/>
+          <a:lstStyle/>
+          <a:p>
+            <a:r>
+              <a:rPr lang="en-US" dirty="0" smtClean="0"/>
+              <a:t>Only if one wants to </a:t>
+            </a:r>
+            <a:r>
+              <a:rPr lang="en-US" dirty="0" smtClean="0">
+                <a:hlinkClick r:id="rId2"/>
+              </a:rPr>
+              <a:t>learn</a:t>
+            </a:r>
+            <a:endParaRPr lang="en-US" dirty="0"/>
+          </a:p>
+        </p:txBody>
+      </p:sp>
+      <p:pic>
+        <p:nvPicPr>
+          <p:cNvPr id="2051" name="Picture 3"/>
+          <p:cNvPicPr>
+            <a:picLocks noChangeAspect="1" noChangeArrowheads="1"/>
+          </p:cNvPicPr>
+          <p:nvPr/>
+        </p:nvPicPr>
+        <p:blipFill>
+          <a:blip r:embed="rId3">
+            <a:extLst>
+              <a:ext uri="{28A0092B-C50C-407E-A947-70E740481C1C}">
+                <a14:useLocalDpi xmlns:a14="http://schemas.microsoft.com/office/drawing/2010/main" val="0"/>
+              </a:ext>
+            </a:extLst>
+          </a:blip>
+          <a:srcRect/>
+          <a:stretch>
+            <a:fillRect/>
+          </a:stretch>
+        </p:blipFill>
+        <p:spPr bwMode="auto">
+          <a:xfrm>
+            <a:off x="1838959" y="1310725"/>
+            <a:ext cx="5283835" cy="5547275"/>
+          </a:xfrm>
+          <a:prstGeom prst="rect">
+            <a:avLst/>
+          </a:prstGeom>
+          <a:noFill/>
+          <a:ln>
+            <a:noFill/>
+          </a:ln>
+          <a:extLst>
+            <a:ext uri="{909E8E84-426E-40DD-AFC4-6F175D3DCCD1}">
+              <a14:hiddenFill xmlns:a14="http://schemas.microsoft.com/office/drawing/2010/main">
+                <a:solidFill>
+                  <a:schemeClr val="accent1"/>
+                </a:solidFill>
+              </a14:hiddenFill>
+            </a:ext>
+            <a:ext uri="{91240B29-F687-4F45-9708-019B960494DF}">
+              <a14:hiddenLine xmlns:a14="http://schemas.microsoft.com/office/drawing/2010/main" w="9525">
+                <a:solidFill>
+                  <a:schemeClr val="tx1"/>
+                </a:solidFill>
+                <a:miter lim="800000"/>
+                <a:headEnd/>
+                <a:tailEnd/>
+              </a14:hiddenLine>
+            </a:ext>
+          </a:extLst>
+        </p:spPr>
+      </p:pic>
+    </p:spTree>
+    <p:extLst>
+      <p:ext uri="{BB962C8B-B14F-4D97-AF65-F5344CB8AC3E}">
+        <p14:creationId xmlns:p14="http://schemas.microsoft.com/office/powerpoint/2010/main" val="2762957080"/>
+      </p:ext>
+    </p:extLst>
+  </p:cSld>
+  <p:clrMapOvr>
+    <a:masterClrMapping/>
+  </p:clrMapOvr>
+</p:sld>
+</file>
+
+<file path=ppt/slides/slide5.xml><?xml version="1.0" encoding="utf-8"?>
+<p:sld xmlns:a="http://schemas.openxmlformats.org/drawingml/2006/main" xmlns:r="http://schemas.openxmlformats.org/officeDocument/2006/relationships" xmlns:p="http://schemas.openxmlformats.org/presentationml/2006/main">
+  <p:cSld>
+    <p:spTree>
+      <p:nvGrpSpPr>
+        <p:cNvPr id="1" name=""/>
+        <p:cNvGrpSpPr/>
+        <p:nvPr/>
+      </p:nvGrpSpPr>
+      <p:grpSpPr>
+        <a:xfrm>
+          <a:off x="0" y="0"/>
+          <a:ext cx="0" cy="0"/>
+          <a:chOff x="0" y="0"/>
+          <a:chExt cx="0" cy="0"/>
+        </a:xfrm>
+      </p:grpSpPr>
+      <p:sp>
+        <p:nvSpPr>
+          <p:cNvPr id="2" name="Title 1"/>
+          <p:cNvSpPr>
+            <a:spLocks noGrp="1"/>
+          </p:cNvSpPr>
+          <p:nvPr>
+            <p:ph type="title"/>
+          </p:nvPr>
+        </p:nvSpPr>
+        <p:spPr/>
+        <p:txBody>
+          <a:bodyPr/>
+          <a:lstStyle/>
+          <a:p>
+            <a:r>
+              <a:rPr lang="en-US" dirty="0" smtClean="0"/>
+              <a:t>A solution for Titanic with </a:t>
+            </a:r>
+            <a:r>
+              <a:rPr lang="en-US" dirty="0" smtClean="0">
+                <a:hlinkClick r:id="rId2"/>
+              </a:rPr>
+              <a:t>R</a:t>
+            </a:r>
+            <a:endParaRPr lang="en-US" dirty="0"/>
+          </a:p>
+        </p:txBody>
+      </p:sp>
+      <p:pic>
+        <p:nvPicPr>
+          <p:cNvPr id="1026" name="Picture 2"/>
+          <p:cNvPicPr>
+            <a:picLocks noChangeAspect="1" noChangeArrowheads="1"/>
+          </p:cNvPicPr>
+          <p:nvPr/>
+        </p:nvPicPr>
+        <p:blipFill>
+          <a:blip r:embed="rId3">
+            <a:extLst>
+              <a:ext uri="{28A0092B-C50C-407E-A947-70E740481C1C}">
+                <a14:useLocalDpi xmlns:a14="http://schemas.microsoft.com/office/drawing/2010/main" val="0"/>
+              </a:ext>
+            </a:extLst>
+          </a:blip>
+          <a:srcRect/>
+          <a:stretch>
+            <a:fillRect/>
+          </a:stretch>
+        </p:blipFill>
+        <p:spPr bwMode="auto">
+          <a:xfrm>
+            <a:off x="1114743" y="1519238"/>
+            <a:ext cx="6772275" cy="4705350"/>
+          </a:xfrm>
+          <a:prstGeom prst="rect">
+            <a:avLst/>
+          </a:prstGeom>
+          <a:noFill/>
+          <a:ln>
+            <a:noFill/>
+          </a:ln>
+          <a:extLst>
+            <a:ext uri="{909E8E84-426E-40DD-AFC4-6F175D3DCCD1}">
+              <a14:hiddenFill xmlns:a14="http://schemas.microsoft.com/office/drawing/2010/main">
+                <a:solidFill>
+                  <a:schemeClr val="accent1"/>
+                </a:solidFill>
+              </a14:hiddenFill>
+            </a:ext>
+            <a:ext uri="{91240B29-F687-4F45-9708-019B960494DF}">
+              <a14:hiddenLine xmlns:a14="http://schemas.microsoft.com/office/drawing/2010/main" w="9525">
+                <a:solidFill>
+                  <a:schemeClr val="tx1"/>
+                </a:solidFill>
+                <a:miter lim="800000"/>
+                <a:headEnd/>
+                <a:tailEnd/>
+              </a14:hiddenLine>
+            </a:ext>
+          </a:extLst>
+        </p:spPr>
+      </p:pic>
+      <p:pic>
+        <p:nvPicPr>
+          <p:cNvPr id="1027" name="Picture 3"/>
+          <p:cNvPicPr>
+            <a:picLocks noChangeAspect="1" noChangeArrowheads="1"/>
+          </p:cNvPicPr>
+          <p:nvPr/>
+        </p:nvPicPr>
+        <p:blipFill>
+          <a:blip r:embed="rId4">
+            <a:extLst>
+              <a:ext uri="{28A0092B-C50C-407E-A947-70E740481C1C}">
+                <a14:useLocalDpi xmlns:a14="http://schemas.microsoft.com/office/drawing/2010/main" val="0"/>
+              </a:ext>
+            </a:extLst>
+          </a:blip>
+          <a:srcRect/>
+          <a:stretch>
+            <a:fillRect/>
+          </a:stretch>
+        </p:blipFill>
+        <p:spPr bwMode="auto">
+          <a:xfrm>
+            <a:off x="6506210" y="4801235"/>
+            <a:ext cx="2647950" cy="2066925"/>
+          </a:xfrm>
+          <a:prstGeom prst="rect">
+            <a:avLst/>
+          </a:prstGeom>
+          <a:noFill/>
+          <a:ln>
+            <a:noFill/>
+          </a:ln>
+          <a:extLst>
+            <a:ext uri="{909E8E84-426E-40DD-AFC4-6F175D3DCCD1}">
+              <a14:hiddenFill xmlns:a14="http://schemas.microsoft.com/office/drawing/2010/main">
+                <a:solidFill>
+                  <a:schemeClr val="accent1"/>
+                </a:solidFill>
+              </a14:hiddenFill>
+            </a:ext>
+            <a:ext uri="{91240B29-F687-4F45-9708-019B960494DF}">
+              <a14:hiddenLine xmlns:a14="http://schemas.microsoft.com/office/drawing/2010/main" w="9525">
+                <a:solidFill>
+                  <a:schemeClr val="tx1"/>
+                </a:solidFill>
+                <a:miter lim="800000"/>
+                <a:headEnd/>
+                <a:tailEnd/>
+              </a14:hiddenLine>
+            </a:ext>
+          </a:extLst>
+        </p:spPr>
+      </p:pic>
+    </p:spTree>
+    <p:extLst>
+      <p:ext uri="{BB962C8B-B14F-4D97-AF65-F5344CB8AC3E}">
+        <p14:creationId xmlns:p14="http://schemas.microsoft.com/office/powerpoint/2010/main" val="70779059"/>
+      </p:ext>
+    </p:extLst>
+  </p:cSld>
+  <p:clrMapOvr>
+    <a:masterClrMapping/>
+  </p:clrMapOvr>
+</p:sld>
+</file>
+
+<file path=ppt/slides/slide6.xml><?xml version="1.0" encoding="utf-8"?>
 <p:sld xmlns:a="http://schemas.openxmlformats.org/drawingml/2006/main" xmlns:r="http://schemas.openxmlformats.org/officeDocument/2006/relationships" xmlns:p="http://schemas.openxmlformats.org/presentationml/2006/main">
   <p:cSld>
     <p:spTree>

--- a/Titanic/reference/lesson_1.pptx
+++ b/Titanic/reference/lesson_1.pptx
@@ -293,7 +293,7 @@
           <a:p>
             <a:fld id="{243A9303-79D4-D54A-8F8E-01F909619F34}" type="datetimeFigureOut">
               <a:rPr lang="en-US" smtClean="0"/>
-              <a:t>9/24/2015</a:t>
+              <a:t>9/24/15</a:t>
             </a:fld>
             <a:endParaRPr lang="en-US"/>
           </a:p>
@@ -463,7 +463,7 @@
           <a:p>
             <a:fld id="{243A9303-79D4-D54A-8F8E-01F909619F34}" type="datetimeFigureOut">
               <a:rPr lang="en-US" smtClean="0"/>
-              <a:t>9/24/2015</a:t>
+              <a:t>9/24/15</a:t>
             </a:fld>
             <a:endParaRPr lang="en-US"/>
           </a:p>
@@ -643,7 +643,7 @@
           <a:p>
             <a:fld id="{243A9303-79D4-D54A-8F8E-01F909619F34}" type="datetimeFigureOut">
               <a:rPr lang="en-US" smtClean="0"/>
-              <a:t>9/24/2015</a:t>
+              <a:t>9/24/15</a:t>
             </a:fld>
             <a:endParaRPr lang="en-US"/>
           </a:p>
@@ -813,7 +813,7 @@
           <a:p>
             <a:fld id="{243A9303-79D4-D54A-8F8E-01F909619F34}" type="datetimeFigureOut">
               <a:rPr lang="en-US" smtClean="0"/>
-              <a:t>9/24/2015</a:t>
+              <a:t>9/24/15</a:t>
             </a:fld>
             <a:endParaRPr lang="en-US"/>
           </a:p>
@@ -1059,7 +1059,7 @@
           <a:p>
             <a:fld id="{243A9303-79D4-D54A-8F8E-01F909619F34}" type="datetimeFigureOut">
               <a:rPr lang="en-US" smtClean="0"/>
-              <a:t>9/24/2015</a:t>
+              <a:t>9/24/15</a:t>
             </a:fld>
             <a:endParaRPr lang="en-US"/>
           </a:p>
@@ -1347,7 +1347,7 @@
           <a:p>
             <a:fld id="{243A9303-79D4-D54A-8F8E-01F909619F34}" type="datetimeFigureOut">
               <a:rPr lang="en-US" smtClean="0"/>
-              <a:t>9/24/2015</a:t>
+              <a:t>9/24/15</a:t>
             </a:fld>
             <a:endParaRPr lang="en-US"/>
           </a:p>
@@ -1769,7 +1769,7 @@
           <a:p>
             <a:fld id="{243A9303-79D4-D54A-8F8E-01F909619F34}" type="datetimeFigureOut">
               <a:rPr lang="en-US" smtClean="0"/>
-              <a:t>9/24/2015</a:t>
+              <a:t>9/24/15</a:t>
             </a:fld>
             <a:endParaRPr lang="en-US"/>
           </a:p>
@@ -1887,7 +1887,7 @@
           <a:p>
             <a:fld id="{243A9303-79D4-D54A-8F8E-01F909619F34}" type="datetimeFigureOut">
               <a:rPr lang="en-US" smtClean="0"/>
-              <a:t>9/24/2015</a:t>
+              <a:t>9/24/15</a:t>
             </a:fld>
             <a:endParaRPr lang="en-US"/>
           </a:p>
@@ -1982,7 +1982,7 @@
           <a:p>
             <a:fld id="{243A9303-79D4-D54A-8F8E-01F909619F34}" type="datetimeFigureOut">
               <a:rPr lang="en-US" smtClean="0"/>
-              <a:t>9/24/2015</a:t>
+              <a:t>9/24/15</a:t>
             </a:fld>
             <a:endParaRPr lang="en-US"/>
           </a:p>
@@ -2259,7 +2259,7 @@
           <a:p>
             <a:fld id="{243A9303-79D4-D54A-8F8E-01F909619F34}" type="datetimeFigureOut">
               <a:rPr lang="en-US" smtClean="0"/>
-              <a:t>9/24/2015</a:t>
+              <a:t>9/24/15</a:t>
             </a:fld>
             <a:endParaRPr lang="en-US"/>
           </a:p>
@@ -2512,7 +2512,7 @@
           <a:p>
             <a:fld id="{243A9303-79D4-D54A-8F8E-01F909619F34}" type="datetimeFigureOut">
               <a:rPr lang="en-US" smtClean="0"/>
-              <a:t>9/24/2015</a:t>
+              <a:t>9/24/15</a:t>
             </a:fld>
             <a:endParaRPr lang="en-US"/>
           </a:p>
@@ -2725,7 +2725,7 @@
           <a:p>
             <a:fld id="{243A9303-79D4-D54A-8F8E-01F909619F34}" type="datetimeFigureOut">
               <a:rPr lang="en-US" smtClean="0"/>
-              <a:t>9/24/2015</a:t>
+              <a:t>9/24/15</a:t>
             </a:fld>
             <a:endParaRPr lang="en-US"/>
           </a:p>
@@ -3160,6 +3160,13 @@
   <p:clrMapOvr>
     <a:masterClrMapping/>
   </p:clrMapOvr>
+  <p:timing>
+    <p:tnLst>
+      <p:par>
+        <p:cTn xmlns:p14="http://schemas.microsoft.com/office/powerpoint/2010/main" id="1" dur="indefinite" restart="never" nodeType="tmRoot"/>
+      </p:par>
+    </p:tnLst>
+  </p:timing>
 </p:sld>
 </file>
 
@@ -3234,8 +3241,21 @@
           <a:p>
             <a:r>
               <a:rPr lang="en-US" dirty="0" smtClean="0"/>
-              <a:t>Refresh/sharping programming skill</a:t>
-            </a:r>
+              <a:t>Refresh/</a:t>
+            </a:r>
+            <a:r>
+              <a:rPr lang="en-US" smtClean="0"/>
+              <a:t>sharpen your </a:t>
+            </a:r>
+            <a:r>
+              <a:rPr lang="en-US" smtClean="0"/>
+              <a:t>programming </a:t>
+            </a:r>
+            <a:r>
+              <a:rPr lang="en-US" smtClean="0"/>
+              <a:t>skills</a:t>
+            </a:r>
+            <a:endParaRPr lang="en-US" dirty="0" smtClean="0"/>
           </a:p>
           <a:p>
             <a:r>
@@ -3280,6 +3300,13 @@
   <p:clrMapOvr>
     <a:masterClrMapping/>
   </p:clrMapOvr>
+  <p:timing>
+    <p:tnLst>
+      <p:par>
+        <p:cTn xmlns:p14="http://schemas.microsoft.com/office/powerpoint/2010/main" id="1" dur="indefinite" restart="never" nodeType="tmRoot"/>
+      </p:par>
+    </p:tnLst>
+  </p:timing>
 </p:sld>
 </file>
 
@@ -3358,6 +3385,13 @@
   <p:clrMapOvr>
     <a:masterClrMapping/>
   </p:clrMapOvr>
+  <p:timing>
+    <p:tnLst>
+      <p:par>
+        <p:cTn xmlns:p14="http://schemas.microsoft.com/office/powerpoint/2010/main" id="1" dur="indefinite" restart="never" nodeType="tmRoot"/>
+      </p:par>
+    </p:tnLst>
+  </p:timing>
 </p:sld>
 </file>
 
@@ -3441,14 +3475,14 @@
             <a:noFill/>
           </a:ln>
           <a:extLst>
-            <a:ext uri="{909E8E84-426E-40DD-AFC4-6F175D3DCCD1}">
+            <a:ext uri="{909E8E84-426E-40dd-AFC4-6F175D3DCCD1}">
               <a14:hiddenFill xmlns:a14="http://schemas.microsoft.com/office/drawing/2010/main">
                 <a:solidFill>
                   <a:schemeClr val="accent1"/>
                 </a:solidFill>
               </a14:hiddenFill>
             </a:ext>
-            <a:ext uri="{91240B29-F687-4F45-9708-019B960494DF}">
+            <a:ext uri="{91240B29-F687-4f45-9708-019B960494DF}">
               <a14:hiddenLine xmlns:a14="http://schemas.microsoft.com/office/drawing/2010/main" w="9525">
                 <a:solidFill>
                   <a:schemeClr val="tx1"/>
@@ -3554,14 +3588,14 @@
             <a:noFill/>
           </a:ln>
           <a:extLst>
-            <a:ext uri="{909E8E84-426E-40DD-AFC4-6F175D3DCCD1}">
+            <a:ext uri="{909E8E84-426E-40dd-AFC4-6F175D3DCCD1}">
               <a14:hiddenFill xmlns:a14="http://schemas.microsoft.com/office/drawing/2010/main">
                 <a:solidFill>
                   <a:schemeClr val="accent1"/>
                 </a:solidFill>
               </a14:hiddenFill>
             </a:ext>
-            <a:ext uri="{91240B29-F687-4F45-9708-019B960494DF}">
+            <a:ext uri="{91240B29-F687-4f45-9708-019B960494DF}">
               <a14:hiddenLine xmlns:a14="http://schemas.microsoft.com/office/drawing/2010/main" w="9525">
                 <a:solidFill>
                   <a:schemeClr val="tx1"/>
@@ -3608,14 +3642,14 @@
             <a:noFill/>
           </a:ln>
           <a:extLst>
-            <a:ext uri="{909E8E84-426E-40DD-AFC4-6F175D3DCCD1}">
+            <a:ext uri="{909E8E84-426E-40dd-AFC4-6F175D3DCCD1}">
               <a14:hiddenFill xmlns:a14="http://schemas.microsoft.com/office/drawing/2010/main">
                 <a:solidFill>
                   <a:schemeClr val="accent1"/>
                 </a:solidFill>
               </a14:hiddenFill>
             </a:ext>
-            <a:ext uri="{91240B29-F687-4F45-9708-019B960494DF}">
+            <a:ext uri="{91240B29-F687-4f45-9708-019B960494DF}">
               <a14:hiddenLine xmlns:a14="http://schemas.microsoft.com/office/drawing/2010/main" w="9525">
                 <a:solidFill>
                   <a:schemeClr val="tx1"/>
